--- a/diagrams/designPatterns/observer/whatItIs/sequenceDiagram.pptx
+++ b/diagrams/designPatterns/observer/whatItIs/sequenceDiagram.pptx
@@ -107,6 +107,22 @@
       </a:defRPr>
     </a:lvl9pPr>
   </p:defaultTextStyle>
+  <p:extLst>
+    <p:ext uri="{EFAFB233-063F-42B5-8137-9DF3F51BA10A}">
+      <p15:sldGuideLst xmlns:p15="http://schemas.microsoft.com/office/powerpoint/2012/main">
+        <p15:guide id="1" orient="horz" pos="2160">
+          <p15:clr>
+            <a:srgbClr val="A4A3A4"/>
+          </p15:clr>
+        </p15:guide>
+        <p15:guide id="2" pos="2880">
+          <p15:clr>
+            <a:srgbClr val="A4A3A4"/>
+          </p15:clr>
+        </p15:guide>
+      </p15:sldGuideLst>
+    </p:ext>
+  </p:extLst>
 </p:presentation>
 </file>
 
@@ -192,7 +208,7 @@
           <a:p>
             <a:fld id="{66906C45-2DB0-4797-8F62-CAF8E935D413}" type="datetimeFigureOut">
               <a:rPr lang="en-SG" smtClean="0"/>
-              <a:t>23/6/2017</a:t>
+              <a:t>20/10/2019</a:t>
             </a:fld>
             <a:endParaRPr lang="en-SG"/>
           </a:p>
@@ -725,7 +741,7 @@
           <a:p>
             <a:fld id="{8486F480-15A6-4026-BC99-052F8E994139}" type="datetimeFigureOut">
               <a:rPr lang="en-SG" smtClean="0"/>
-              <a:t>23/6/2017</a:t>
+              <a:t>20/10/2019</a:t>
             </a:fld>
             <a:endParaRPr lang="en-SG"/>
           </a:p>
@@ -895,7 +911,7 @@
           <a:p>
             <a:fld id="{8486F480-15A6-4026-BC99-052F8E994139}" type="datetimeFigureOut">
               <a:rPr lang="en-SG" smtClean="0"/>
-              <a:t>23/6/2017</a:t>
+              <a:t>20/10/2019</a:t>
             </a:fld>
             <a:endParaRPr lang="en-SG"/>
           </a:p>
@@ -1075,7 +1091,7 @@
           <a:p>
             <a:fld id="{8486F480-15A6-4026-BC99-052F8E994139}" type="datetimeFigureOut">
               <a:rPr lang="en-SG" smtClean="0"/>
-              <a:t>23/6/2017</a:t>
+              <a:t>20/10/2019</a:t>
             </a:fld>
             <a:endParaRPr lang="en-SG"/>
           </a:p>
@@ -1245,7 +1261,7 @@
           <a:p>
             <a:fld id="{8486F480-15A6-4026-BC99-052F8E994139}" type="datetimeFigureOut">
               <a:rPr lang="en-SG" smtClean="0"/>
-              <a:t>23/6/2017</a:t>
+              <a:t>20/10/2019</a:t>
             </a:fld>
             <a:endParaRPr lang="en-SG"/>
           </a:p>
@@ -1491,7 +1507,7 @@
           <a:p>
             <a:fld id="{8486F480-15A6-4026-BC99-052F8E994139}" type="datetimeFigureOut">
               <a:rPr lang="en-SG" smtClean="0"/>
-              <a:t>23/6/2017</a:t>
+              <a:t>20/10/2019</a:t>
             </a:fld>
             <a:endParaRPr lang="en-SG"/>
           </a:p>
@@ -1779,7 +1795,7 @@
           <a:p>
             <a:fld id="{8486F480-15A6-4026-BC99-052F8E994139}" type="datetimeFigureOut">
               <a:rPr lang="en-SG" smtClean="0"/>
-              <a:t>23/6/2017</a:t>
+              <a:t>20/10/2019</a:t>
             </a:fld>
             <a:endParaRPr lang="en-SG"/>
           </a:p>
@@ -2201,7 +2217,7 @@
           <a:p>
             <a:fld id="{8486F480-15A6-4026-BC99-052F8E994139}" type="datetimeFigureOut">
               <a:rPr lang="en-SG" smtClean="0"/>
-              <a:t>23/6/2017</a:t>
+              <a:t>20/10/2019</a:t>
             </a:fld>
             <a:endParaRPr lang="en-SG"/>
           </a:p>
@@ -2319,7 +2335,7 @@
           <a:p>
             <a:fld id="{8486F480-15A6-4026-BC99-052F8E994139}" type="datetimeFigureOut">
               <a:rPr lang="en-SG" smtClean="0"/>
-              <a:t>23/6/2017</a:t>
+              <a:t>20/10/2019</a:t>
             </a:fld>
             <a:endParaRPr lang="en-SG"/>
           </a:p>
@@ -2414,7 +2430,7 @@
           <a:p>
             <a:fld id="{8486F480-15A6-4026-BC99-052F8E994139}" type="datetimeFigureOut">
               <a:rPr lang="en-SG" smtClean="0"/>
-              <a:t>23/6/2017</a:t>
+              <a:t>20/10/2019</a:t>
             </a:fld>
             <a:endParaRPr lang="en-SG"/>
           </a:p>
@@ -2691,7 +2707,7 @@
           <a:p>
             <a:fld id="{8486F480-15A6-4026-BC99-052F8E994139}" type="datetimeFigureOut">
               <a:rPr lang="en-SG" smtClean="0"/>
-              <a:t>23/6/2017</a:t>
+              <a:t>20/10/2019</a:t>
             </a:fld>
             <a:endParaRPr lang="en-SG"/>
           </a:p>
@@ -2944,7 +2960,7 @@
           <a:p>
             <a:fld id="{8486F480-15A6-4026-BC99-052F8E994139}" type="datetimeFigureOut">
               <a:rPr lang="en-SG" smtClean="0"/>
-              <a:t>23/6/2017</a:t>
+              <a:t>20/10/2019</a:t>
             </a:fld>
             <a:endParaRPr lang="en-SG"/>
           </a:p>
@@ -3157,7 +3173,7 @@
           <a:p>
             <a:fld id="{8486F480-15A6-4026-BC99-052F8E994139}" type="datetimeFigureOut">
               <a:rPr lang="en-SG" smtClean="0"/>
-              <a:t>23/6/2017</a:t>
+              <a:t>20/10/2019</a:t>
             </a:fld>
             <a:endParaRPr lang="en-SG"/>
           </a:p>
@@ -4378,45 +4394,6 @@
           <a:ln w="19050">
             <a:solidFill>
               <a:srgbClr val="0070C0"/>
-            </a:solidFill>
-            <a:prstDash val="dash"/>
-            <a:round/>
-            <a:headEnd type="triangle" w="med" len="med"/>
-            <a:tailEnd type="none" w="med" len="med"/>
-          </a:ln>
-        </p:spPr>
-        <p:txBody>
-          <a:bodyPr wrap="square" anchor="b">
-            <a:spAutoFit/>
-          </a:bodyPr>
-          <a:lstStyle/>
-          <a:p>
-            <a:endParaRPr lang="en-US" sz="2000"/>
-          </a:p>
-        </p:txBody>
-      </p:sp>
-      <p:sp>
-        <p:nvSpPr>
-          <p:cNvPr id="273" name="Line 46"/>
-          <p:cNvSpPr>
-            <a:spLocks noChangeShapeType="1"/>
-          </p:cNvSpPr>
-          <p:nvPr/>
-        </p:nvSpPr>
-        <p:spPr bwMode="auto">
-          <a:xfrm>
-            <a:off x="1505382" y="5919643"/>
-            <a:ext cx="1408714" cy="0"/>
-          </a:xfrm>
-          <a:prstGeom prst="line">
-            <a:avLst/>
-          </a:prstGeom>
-          <a:noFill/>
-          <a:ln w="19050">
-            <a:solidFill>
-              <a:schemeClr val="accent3">
-                <a:lumMod val="75000"/>
-              </a:schemeClr>
             </a:solidFill>
             <a:prstDash val="dash"/>
             <a:round/>
@@ -5877,7 +5854,7 @@
                                           </p:stCondLst>
                                         </p:cTn>
                                         <p:tgtEl>
-                                          <p:spTgt spid="273"/>
+                                          <p:spTgt spid="284"/>
                                         </p:tgtEl>
                                         <p:attrNameLst>
                                           <p:attrName>style.visibility</p:attrName>
@@ -5904,7 +5881,7 @@
                                           </p:stCondLst>
                                         </p:cTn>
                                         <p:tgtEl>
-                                          <p:spTgt spid="284"/>
+                                          <p:spTgt spid="285"/>
                                         </p:tgtEl>
                                         <p:attrNameLst>
                                           <p:attrName>style.visibility</p:attrName>
@@ -5931,7 +5908,7 @@
                                           </p:stCondLst>
                                         </p:cTn>
                                         <p:tgtEl>
-                                          <p:spTgt spid="285"/>
+                                          <p:spTgt spid="286"/>
                                         </p:tgtEl>
                                         <p:attrNameLst>
                                           <p:attrName>style.visibility</p:attrName>
@@ -5958,7 +5935,7 @@
                                           </p:stCondLst>
                                         </p:cTn>
                                         <p:tgtEl>
-                                          <p:spTgt spid="286"/>
+                                          <p:spTgt spid="287"/>
                                         </p:tgtEl>
                                         <p:attrNameLst>
                                           <p:attrName>style.visibility</p:attrName>
@@ -5985,7 +5962,7 @@
                                           </p:stCondLst>
                                         </p:cTn>
                                         <p:tgtEl>
-                                          <p:spTgt spid="287"/>
+                                          <p:spTgt spid="288"/>
                                         </p:tgtEl>
                                         <p:attrNameLst>
                                           <p:attrName>style.visibility</p:attrName>
@@ -6012,7 +5989,7 @@
                                           </p:stCondLst>
                                         </p:cTn>
                                         <p:tgtEl>
-                                          <p:spTgt spid="288"/>
+                                          <p:spTgt spid="289"/>
                                         </p:tgtEl>
                                         <p:attrNameLst>
                                           <p:attrName>style.visibility</p:attrName>
@@ -6039,7 +6016,7 @@
                                           </p:stCondLst>
                                         </p:cTn>
                                         <p:tgtEl>
-                                          <p:spTgt spid="289"/>
+                                          <p:spTgt spid="290"/>
                                         </p:tgtEl>
                                         <p:attrNameLst>
                                           <p:attrName>style.visibility</p:attrName>
@@ -6066,7 +6043,7 @@
                                           </p:stCondLst>
                                         </p:cTn>
                                         <p:tgtEl>
-                                          <p:spTgt spid="290"/>
+                                          <p:spTgt spid="291"/>
                                         </p:tgtEl>
                                         <p:attrNameLst>
                                           <p:attrName>style.visibility</p:attrName>
@@ -6093,7 +6070,7 @@
                                           </p:stCondLst>
                                         </p:cTn>
                                         <p:tgtEl>
-                                          <p:spTgt spid="291"/>
+                                          <p:spTgt spid="293"/>
                                         </p:tgtEl>
                                         <p:attrNameLst>
                                           <p:attrName>style.visibility</p:attrName>
@@ -6115,33 +6092,6 @@
                                     <p:set>
                                       <p:cBhvr>
                                         <p:cTn id="60" dur="1" fill="hold">
-                                          <p:stCondLst>
-                                            <p:cond delay="0"/>
-                                          </p:stCondLst>
-                                        </p:cTn>
-                                        <p:tgtEl>
-                                          <p:spTgt spid="293"/>
-                                        </p:tgtEl>
-                                        <p:attrNameLst>
-                                          <p:attrName>style.visibility</p:attrName>
-                                        </p:attrNameLst>
-                                      </p:cBhvr>
-                                      <p:to>
-                                        <p:strVal val="visible"/>
-                                      </p:to>
-                                    </p:set>
-                                  </p:childTnLst>
-                                </p:cTn>
-                              </p:par>
-                              <p:par>
-                                <p:cTn id="61" presetID="1" presetClass="entr" presetSubtype="0" fill="hold" grpId="0" nodeType="withEffect">
-                                  <p:stCondLst>
-                                    <p:cond delay="0"/>
-                                  </p:stCondLst>
-                                  <p:childTnLst>
-                                    <p:set>
-                                      <p:cBhvr>
-                                        <p:cTn id="62" dur="1" fill="hold">
                                           <p:stCondLst>
                                             <p:cond delay="0"/>
                                           </p:stCondLst>
@@ -6198,7 +6148,6 @@
       <p:bldP spid="270" grpId="0" animBg="1"/>
       <p:bldP spid="271" grpId="0" animBg="1"/>
       <p:bldP spid="272" grpId="0" animBg="1"/>
-      <p:bldP spid="273" grpId="0" animBg="1"/>
       <p:bldP spid="278" grpId="0"/>
       <p:bldP spid="279" grpId="0"/>
       <p:bldP spid="280" grpId="0" animBg="1"/>
